--- a/RESTPräsi.pptx
+++ b/RESTPräsi.pptx
@@ -137,7 +137,16 @@
       </a:defRPr>
     </a:lvl9pPr>
   </p:defaultTextStyle>
+  <p:extLst>
+    <p:ext uri="{EFAFB233-063F-42B5-8137-9DF3F51BA10A}">
+      <p15:sldGuideLst xmlns:p15="http://schemas.microsoft.com/office/powerpoint/2012/main"/>
+    </p:ext>
+  </p:extLst>
 </p:presentation>
+</file>
+
+<file path=ppt/revisionInfo.xml><?xml version="1.0" encoding="utf-8"?>
+<p1510:revInfo xmlns:a="http://schemas.openxmlformats.org/drawingml/2006/main" xmlns:r="http://schemas.openxmlformats.org/officeDocument/2006/relationships" xmlns:p1510="http://schemas.microsoft.com/office/powerpoint/2015/10/main"/>
 </file>
 
 <file path=ppt/notesMasters/notesMaster1.xml><?xml version="1.0" encoding="utf-8"?>
@@ -732,7 +741,7 @@
           <a:graphicData uri="http://schemas.openxmlformats.org/presentationml/2006/ole">
             <mc:AlternateContent xmlns:mc="http://schemas.openxmlformats.org/markup-compatibility/2006">
               <mc:Choice xmlns:v="urn:schemas-microsoft-com:vml" Requires="v">
-                <p:oleObj spid="_x0000_s2081" r:id="rId9" imgW="0" imgH="0" progId="TCLayout.ActiveDocument.1">
+                <p:oleObj spid="_x0000_s2084" r:id="rId9" imgW="0" imgH="0" progId="TCLayout.ActiveDocument.1">
                   <p:embed/>
                 </p:oleObj>
               </mc:Choice>
@@ -1578,7 +1587,7 @@
           <a:graphicData uri="http://schemas.openxmlformats.org/presentationml/2006/ole">
             <mc:AlternateContent xmlns:mc="http://schemas.openxmlformats.org/markup-compatibility/2006">
               <mc:Choice xmlns:v="urn:schemas-microsoft-com:vml" Requires="v">
-                <p:oleObj spid="_x0000_s4128" r:id="rId9" imgW="0" imgH="0" progId="TCLayout.ActiveDocument.1">
+                <p:oleObj spid="_x0000_s4131" r:id="rId9" imgW="0" imgH="0" progId="TCLayout.ActiveDocument.1">
                   <p:embed/>
                 </p:oleObj>
               </mc:Choice>
@@ -6022,7 +6031,7 @@
           <a:graphicData uri="http://schemas.openxmlformats.org/presentationml/2006/ole">
             <mc:AlternateContent xmlns:mc="http://schemas.openxmlformats.org/markup-compatibility/2006">
               <mc:Choice xmlns:v="urn:schemas-microsoft-com:vml" Requires="v">
-                <p:oleObj spid="_x0000_s1057" r:id="rId20" imgW="0" imgH="0" progId="TCLayout.ActiveDocument.1">
+                <p:oleObj spid="_x0000_s1060" r:id="rId20" imgW="0" imgH="0" progId="TCLayout.ActiveDocument.1">
                   <p:embed/>
                 </p:oleObj>
               </mc:Choice>
@@ -7204,7 +7213,7 @@
           <a:graphicData uri="http://schemas.openxmlformats.org/presentationml/2006/ole">
             <mc:AlternateContent xmlns:mc="http://schemas.openxmlformats.org/markup-compatibility/2006">
               <mc:Choice xmlns:v="urn:schemas-microsoft-com:vml" Requires="v">
-                <p:oleObj spid="_x0000_s3104" r:id="rId20" imgW="0" imgH="0" progId="TCLayout.ActiveDocument.1">
+                <p:oleObj spid="_x0000_s3107" r:id="rId20" imgW="0" imgH="0" progId="TCLayout.ActiveDocument.1">
                   <p:embed/>
                 </p:oleObj>
               </mc:Choice>
@@ -12283,7 +12292,10 @@
           <a:bodyPr/>
           <a:lstStyle/>
           <a:p>
-            <a:endParaRPr lang="de-DE"/>
+            <a:endParaRPr lang="de-DE" dirty="0"/>
+          </a:p>
+          <a:p>
+            <a:endParaRPr lang="de-DE" dirty="0"/>
           </a:p>
         </p:txBody>
       </p:sp>
@@ -12344,6 +12356,72 @@
           </a:p>
         </p:txBody>
       </p:sp>
+      <p:pic>
+        <p:nvPicPr>
+          <p:cNvPr id="6" name="Grafik 5">
+            <a:extLst>
+              <a:ext uri="{FF2B5EF4-FFF2-40B4-BE49-F238E27FC236}">
+                <a16:creationId xmlns:a16="http://schemas.microsoft.com/office/drawing/2014/main" id="{EC06D821-0A3A-466C-A5B1-611F9CC79902}"/>
+              </a:ext>
+            </a:extLst>
+          </p:cNvPr>
+          <p:cNvPicPr>
+            <a:picLocks noChangeAspect="1"/>
+          </p:cNvPicPr>
+          <p:nvPr/>
+        </p:nvPicPr>
+        <p:blipFill>
+          <a:blip r:embed="rId2"/>
+          <a:stretch>
+            <a:fillRect/>
+          </a:stretch>
+        </p:blipFill>
+        <p:spPr>
+          <a:xfrm>
+            <a:off x="9640389" y="6035040"/>
+            <a:ext cx="1828800" cy="675323"/>
+          </a:xfrm>
+          <a:prstGeom prst="rect">
+            <a:avLst/>
+          </a:prstGeom>
+        </p:spPr>
+      </p:pic>
+      <p:pic>
+        <p:nvPicPr>
+          <p:cNvPr id="8" name="Grafik 7">
+            <a:extLst>
+              <a:ext uri="{FF2B5EF4-FFF2-40B4-BE49-F238E27FC236}">
+                <a16:creationId xmlns:a16="http://schemas.microsoft.com/office/drawing/2014/main" id="{96B115E4-57E1-499A-B4DE-B89473C77C3A}"/>
+              </a:ext>
+            </a:extLst>
+          </p:cNvPr>
+          <p:cNvPicPr>
+            <a:picLocks noChangeAspect="1"/>
+          </p:cNvPicPr>
+          <p:nvPr/>
+        </p:nvPicPr>
+        <p:blipFill>
+          <a:blip r:embed="rId3">
+            <a:extLst>
+              <a:ext uri="{28A0092B-C50C-407E-A947-70E740481C1C}">
+                <a14:useLocalDpi xmlns:a14="http://schemas.microsoft.com/office/drawing/2010/main" val="0"/>
+              </a:ext>
+            </a:extLst>
+          </a:blip>
+          <a:stretch>
+            <a:fillRect/>
+          </a:stretch>
+        </p:blipFill>
+        <p:spPr>
+          <a:xfrm>
+            <a:off x="719667" y="2947275"/>
+            <a:ext cx="10813774" cy="1901981"/>
+          </a:xfrm>
+          <a:prstGeom prst="rect">
+            <a:avLst/>
+          </a:prstGeom>
+        </p:spPr>
+      </p:pic>
     </p:spTree>
     <p:extLst>
       <p:ext uri="{BB962C8B-B14F-4D97-AF65-F5344CB8AC3E}">

--- a/RESTPräsi.pptx
+++ b/RESTPräsi.pptx
@@ -741,7 +741,7 @@
           <a:graphicData uri="http://schemas.openxmlformats.org/presentationml/2006/ole">
             <mc:AlternateContent xmlns:mc="http://schemas.openxmlformats.org/markup-compatibility/2006">
               <mc:Choice xmlns:v="urn:schemas-microsoft-com:vml" Requires="v">
-                <p:oleObj spid="_x0000_s2084" r:id="rId9" imgW="0" imgH="0" progId="TCLayout.ActiveDocument.1">
+                <p:oleObj spid="_x0000_s2086" r:id="rId9" imgW="0" imgH="0" progId="TCLayout.ActiveDocument.1">
                   <p:embed/>
                 </p:oleObj>
               </mc:Choice>
@@ -1587,7 +1587,7 @@
           <a:graphicData uri="http://schemas.openxmlformats.org/presentationml/2006/ole">
             <mc:AlternateContent xmlns:mc="http://schemas.openxmlformats.org/markup-compatibility/2006">
               <mc:Choice xmlns:v="urn:schemas-microsoft-com:vml" Requires="v">
-                <p:oleObj spid="_x0000_s4131" r:id="rId9" imgW="0" imgH="0" progId="TCLayout.ActiveDocument.1">
+                <p:oleObj spid="_x0000_s4133" r:id="rId9" imgW="0" imgH="0" progId="TCLayout.ActiveDocument.1">
                   <p:embed/>
                 </p:oleObj>
               </mc:Choice>
@@ -6031,7 +6031,7 @@
           <a:graphicData uri="http://schemas.openxmlformats.org/presentationml/2006/ole">
             <mc:AlternateContent xmlns:mc="http://schemas.openxmlformats.org/markup-compatibility/2006">
               <mc:Choice xmlns:v="urn:schemas-microsoft-com:vml" Requires="v">
-                <p:oleObj spid="_x0000_s1060" r:id="rId20" imgW="0" imgH="0" progId="TCLayout.ActiveDocument.1">
+                <p:oleObj spid="_x0000_s1062" r:id="rId20" imgW="0" imgH="0" progId="TCLayout.ActiveDocument.1">
                   <p:embed/>
                 </p:oleObj>
               </mc:Choice>
@@ -7213,7 +7213,7 @@
           <a:graphicData uri="http://schemas.openxmlformats.org/presentationml/2006/ole">
             <mc:AlternateContent xmlns:mc="http://schemas.openxmlformats.org/markup-compatibility/2006">
               <mc:Choice xmlns:v="urn:schemas-microsoft-com:vml" Requires="v">
-                <p:oleObj spid="_x0000_s3107" r:id="rId20" imgW="0" imgH="0" progId="TCLayout.ActiveDocument.1">
+                <p:oleObj spid="_x0000_s3109" r:id="rId20" imgW="0" imgH="0" progId="TCLayout.ActiveDocument.1">
                   <p:embed/>
                 </p:oleObj>
               </mc:Choice>
@@ -10786,7 +10786,39 @@
           <a:bodyPr/>
           <a:lstStyle/>
           <a:p>
+            <a:r>
+              <a:rPr lang="de-DE" dirty="0"/>
+              <a:t>Erstellt Smartmeter und </a:t>
+            </a:r>
+            <a:r>
+              <a:rPr lang="de-DE" dirty="0" err="1"/>
+              <a:t>Measurands</a:t>
+            </a:r>
+            <a:r>
+              <a:rPr lang="de-DE" dirty="0"/>
+              <a:t> und nimmt die Testmessungen vor.</a:t>
+            </a:r>
+          </a:p>
+          <a:p>
             <a:endParaRPr lang="de-DE" dirty="0"/>
+          </a:p>
+          <a:p>
+            <a:r>
+              <a:rPr lang="de-DE" dirty="0" err="1"/>
+              <a:t>SMEmu</a:t>
+            </a:r>
+            <a:r>
+              <a:rPr lang="de-DE" dirty="0"/>
+              <a:t> </a:t>
+            </a:r>
+            <a:r>
+              <a:rPr lang="de-DE" dirty="0" err="1"/>
+              <a:t>Restful</a:t>
+            </a:r>
+            <a:r>
+              <a:rPr lang="de-DE" dirty="0"/>
+              <a:t>?</a:t>
+            </a:r>
           </a:p>
         </p:txBody>
       </p:sp>

--- a/RESTPräsi.pptx
+++ b/RESTPräsi.pptx
@@ -741,7 +741,7 @@
           <a:graphicData uri="http://schemas.openxmlformats.org/presentationml/2006/ole">
             <mc:AlternateContent xmlns:mc="http://schemas.openxmlformats.org/markup-compatibility/2006">
               <mc:Choice xmlns:v="urn:schemas-microsoft-com:vml" Requires="v">
-                <p:oleObj spid="_x0000_s2086" r:id="rId9" imgW="0" imgH="0" progId="TCLayout.ActiveDocument.1">
+                <p:oleObj spid="_x0000_s2087" r:id="rId9" imgW="0" imgH="0" progId="TCLayout.ActiveDocument.1">
                   <p:embed/>
                 </p:oleObj>
               </mc:Choice>
@@ -1587,7 +1587,7 @@
           <a:graphicData uri="http://schemas.openxmlformats.org/presentationml/2006/ole">
             <mc:AlternateContent xmlns:mc="http://schemas.openxmlformats.org/markup-compatibility/2006">
               <mc:Choice xmlns:v="urn:schemas-microsoft-com:vml" Requires="v">
-                <p:oleObj spid="_x0000_s4133" r:id="rId9" imgW="0" imgH="0" progId="TCLayout.ActiveDocument.1">
+                <p:oleObj spid="_x0000_s4134" r:id="rId9" imgW="0" imgH="0" progId="TCLayout.ActiveDocument.1">
                   <p:embed/>
                 </p:oleObj>
               </mc:Choice>
@@ -6031,7 +6031,7 @@
           <a:graphicData uri="http://schemas.openxmlformats.org/presentationml/2006/ole">
             <mc:AlternateContent xmlns:mc="http://schemas.openxmlformats.org/markup-compatibility/2006">
               <mc:Choice xmlns:v="urn:schemas-microsoft-com:vml" Requires="v">
-                <p:oleObj spid="_x0000_s1062" r:id="rId20" imgW="0" imgH="0" progId="TCLayout.ActiveDocument.1">
+                <p:oleObj spid="_x0000_s1063" r:id="rId20" imgW="0" imgH="0" progId="TCLayout.ActiveDocument.1">
                   <p:embed/>
                 </p:oleObj>
               </mc:Choice>
@@ -7213,7 +7213,7 @@
           <a:graphicData uri="http://schemas.openxmlformats.org/presentationml/2006/ole">
             <mc:AlternateContent xmlns:mc="http://schemas.openxmlformats.org/markup-compatibility/2006">
               <mc:Choice xmlns:v="urn:schemas-microsoft-com:vml" Requires="v">
-                <p:oleObj spid="_x0000_s3109" r:id="rId20" imgW="0" imgH="0" progId="TCLayout.ActiveDocument.1">
+                <p:oleObj spid="_x0000_s3110" r:id="rId20" imgW="0" imgH="0" progId="TCLayout.ActiveDocument.1">
                   <p:embed/>
                 </p:oleObj>
               </mc:Choice>
@@ -11097,12 +11097,69 @@
           </a:p>
         </p:txBody>
       </p:sp>
+      <p:sp>
+        <p:nvSpPr>
+          <p:cNvPr id="4" name="Fußzeilenplatzhalter 3">
+            <a:extLst>
+              <a:ext uri="{FF2B5EF4-FFF2-40B4-BE49-F238E27FC236}">
+                <a16:creationId xmlns:a16="http://schemas.microsoft.com/office/drawing/2014/main" id="{FA28068B-E7EC-4DC9-B81D-32F491D4B3A9}"/>
+              </a:ext>
+            </a:extLst>
+          </p:cNvPr>
+          <p:cNvSpPr>
+            <a:spLocks noGrp="1"/>
+          </p:cNvSpPr>
+          <p:nvPr>
+            <p:ph type="ftr" sz="quarter" idx="10"/>
+          </p:nvPr>
+        </p:nvSpPr>
+        <p:spPr/>
+        <p:txBody>
+          <a:bodyPr/>
+          <a:lstStyle/>
+          <a:p>
+            <a:r>
+              <a:rPr lang="de-DE"/>
+              <a:t>REST - Übung 3 | Anwendungssysteme SS 2017</a:t>
+            </a:r>
+          </a:p>
+        </p:txBody>
+      </p:sp>
+      <p:sp>
+        <p:nvSpPr>
+          <p:cNvPr id="5" name="Foliennummernplatzhalter 4">
+            <a:extLst>
+              <a:ext uri="{FF2B5EF4-FFF2-40B4-BE49-F238E27FC236}">
+                <a16:creationId xmlns:a16="http://schemas.microsoft.com/office/drawing/2014/main" id="{4C429FA3-8E3F-418F-8E01-44021D31EF67}"/>
+              </a:ext>
+            </a:extLst>
+          </p:cNvPr>
+          <p:cNvSpPr>
+            <a:spLocks noGrp="1"/>
+          </p:cNvSpPr>
+          <p:nvPr>
+            <p:ph type="sldNum" sz="quarter" idx="11"/>
+          </p:nvPr>
+        </p:nvSpPr>
+        <p:spPr/>
+        <p:txBody>
+          <a:bodyPr/>
+          <a:lstStyle/>
+          <a:p>
+            <a:fld id="{9C769D77-A6BD-4055-B1F5-206E3089995D}" type="slidenum">
+              <a:rPr lang="de-DE" smtClean="0"/>
+              <a:t>25</a:t>
+            </a:fld>
+            <a:endParaRPr lang="de-DE"/>
+          </a:p>
+        </p:txBody>
+      </p:sp>
       <p:pic>
         <p:nvPicPr>
-          <p:cNvPr id="7" name="Inhaltsplatzhalter 6">
+          <p:cNvPr id="9" name="Inhaltsplatzhalter 8">
             <a:extLst>
               <a:ext uri="{FF2B5EF4-FFF2-40B4-BE49-F238E27FC236}">
-                <a16:creationId xmlns:a16="http://schemas.microsoft.com/office/drawing/2014/main" id="{957CFCBE-8B18-4F60-8A35-9C3927B12131}"/>
+                <a16:creationId xmlns:a16="http://schemas.microsoft.com/office/drawing/2014/main" id="{BCEEEAAF-0816-4996-A0B7-28462115A790}"/>
               </a:ext>
             </a:extLst>
           </p:cNvPr>
@@ -11127,68 +11184,11 @@
         </p:blipFill>
         <p:spPr>
           <a:xfrm>
-            <a:off x="719667" y="2333598"/>
-            <a:ext cx="9409241" cy="3641725"/>
+            <a:off x="719667" y="2325646"/>
+            <a:ext cx="9350841" cy="3641725"/>
           </a:xfrm>
         </p:spPr>
       </p:pic>
-      <p:sp>
-        <p:nvSpPr>
-          <p:cNvPr id="4" name="Fußzeilenplatzhalter 3">
-            <a:extLst>
-              <a:ext uri="{FF2B5EF4-FFF2-40B4-BE49-F238E27FC236}">
-                <a16:creationId xmlns:a16="http://schemas.microsoft.com/office/drawing/2014/main" id="{FA28068B-E7EC-4DC9-B81D-32F491D4B3A9}"/>
-              </a:ext>
-            </a:extLst>
-          </p:cNvPr>
-          <p:cNvSpPr>
-            <a:spLocks noGrp="1"/>
-          </p:cNvSpPr>
-          <p:nvPr>
-            <p:ph type="ftr" sz="quarter" idx="10"/>
-          </p:nvPr>
-        </p:nvSpPr>
-        <p:spPr/>
-        <p:txBody>
-          <a:bodyPr/>
-          <a:lstStyle/>
-          <a:p>
-            <a:r>
-              <a:rPr lang="de-DE"/>
-              <a:t>REST - Übung 3 | Anwendungssysteme SS 2017</a:t>
-            </a:r>
-          </a:p>
-        </p:txBody>
-      </p:sp>
-      <p:sp>
-        <p:nvSpPr>
-          <p:cNvPr id="5" name="Foliennummernplatzhalter 4">
-            <a:extLst>
-              <a:ext uri="{FF2B5EF4-FFF2-40B4-BE49-F238E27FC236}">
-                <a16:creationId xmlns:a16="http://schemas.microsoft.com/office/drawing/2014/main" id="{4C429FA3-8E3F-418F-8E01-44021D31EF67}"/>
-              </a:ext>
-            </a:extLst>
-          </p:cNvPr>
-          <p:cNvSpPr>
-            <a:spLocks noGrp="1"/>
-          </p:cNvSpPr>
-          <p:nvPr>
-            <p:ph type="sldNum" sz="quarter" idx="11"/>
-          </p:nvPr>
-        </p:nvSpPr>
-        <p:spPr/>
-        <p:txBody>
-          <a:bodyPr/>
-          <a:lstStyle/>
-          <a:p>
-            <a:fld id="{9C769D77-A6BD-4055-B1F5-206E3089995D}" type="slidenum">
-              <a:rPr lang="de-DE" smtClean="0"/>
-              <a:t>25</a:t>
-            </a:fld>
-            <a:endParaRPr lang="de-DE"/>
-          </a:p>
-        </p:txBody>
-      </p:sp>
     </p:spTree>
     <p:extLst>
       <p:ext uri="{BB962C8B-B14F-4D97-AF65-F5344CB8AC3E}">

--- a/RESTPräsi.pptx
+++ b/RESTPräsi.pptx
@@ -741,7 +741,7 @@
           <a:graphicData uri="http://schemas.openxmlformats.org/presentationml/2006/ole">
             <mc:AlternateContent xmlns:mc="http://schemas.openxmlformats.org/markup-compatibility/2006">
               <mc:Choice xmlns:v="urn:schemas-microsoft-com:vml" Requires="v">
-                <p:oleObj spid="_x0000_s2087" r:id="rId9" imgW="0" imgH="0" progId="TCLayout.ActiveDocument.1">
+                <p:oleObj spid="_x0000_s2091" r:id="rId9" imgW="0" imgH="0" progId="TCLayout.ActiveDocument.1">
                   <p:embed/>
                 </p:oleObj>
               </mc:Choice>
@@ -1587,7 +1587,7 @@
           <a:graphicData uri="http://schemas.openxmlformats.org/presentationml/2006/ole">
             <mc:AlternateContent xmlns:mc="http://schemas.openxmlformats.org/markup-compatibility/2006">
               <mc:Choice xmlns:v="urn:schemas-microsoft-com:vml" Requires="v">
-                <p:oleObj spid="_x0000_s4134" r:id="rId9" imgW="0" imgH="0" progId="TCLayout.ActiveDocument.1">
+                <p:oleObj spid="_x0000_s4138" r:id="rId9" imgW="0" imgH="0" progId="TCLayout.ActiveDocument.1">
                   <p:embed/>
                 </p:oleObj>
               </mc:Choice>
@@ -6031,7 +6031,7 @@
           <a:graphicData uri="http://schemas.openxmlformats.org/presentationml/2006/ole">
             <mc:AlternateContent xmlns:mc="http://schemas.openxmlformats.org/markup-compatibility/2006">
               <mc:Choice xmlns:v="urn:schemas-microsoft-com:vml" Requires="v">
-                <p:oleObj spid="_x0000_s1063" r:id="rId20" imgW="0" imgH="0" progId="TCLayout.ActiveDocument.1">
+                <p:oleObj spid="_x0000_s1067" r:id="rId20" imgW="0" imgH="0" progId="TCLayout.ActiveDocument.1">
                   <p:embed/>
                 </p:oleObj>
               </mc:Choice>
@@ -7213,7 +7213,7 @@
           <a:graphicData uri="http://schemas.openxmlformats.org/presentationml/2006/ole">
             <mc:AlternateContent xmlns:mc="http://schemas.openxmlformats.org/markup-compatibility/2006">
               <mc:Choice xmlns:v="urn:schemas-microsoft-com:vml" Requires="v">
-                <p:oleObj spid="_x0000_s3110" r:id="rId20" imgW="0" imgH="0" progId="TCLayout.ActiveDocument.1">
+                <p:oleObj spid="_x0000_s3114" r:id="rId20" imgW="0" imgH="0" progId="TCLayout.ActiveDocument.1">
                   <p:embed/>
                 </p:oleObj>
               </mc:Choice>
@@ -10788,7 +10788,7 @@
           <a:p>
             <a:r>
               <a:rPr lang="de-DE" dirty="0"/>
-              <a:t>Erstellt Smartmeter und </a:t>
+              <a:t>	Erstellt Smartmeter und </a:t>
             </a:r>
             <a:r>
               <a:rPr lang="de-DE" dirty="0" err="1"/>
@@ -10804,20 +10804,40 @@
           </a:p>
           <a:p>
             <a:r>
+              <a:rPr lang="de-DE" dirty="0"/>
+              <a:t>	Die Schnittstelle von </a:t>
+            </a:r>
+            <a:r>
               <a:rPr lang="de-DE" dirty="0" err="1"/>
               <a:t>SMEmu</a:t>
             </a:r>
             <a:r>
               <a:rPr lang="de-DE" dirty="0"/>
-              <a:t> </a:t>
+              <a:t>  ist nicht </a:t>
             </a:r>
             <a:r>
               <a:rPr lang="de-DE" dirty="0" err="1"/>
-              <a:t>Restful</a:t>
+              <a:t>RESTful</a:t>
             </a:r>
             <a:r>
               <a:rPr lang="de-DE" dirty="0"/>
-              <a:t>?</a:t>
+              <a:t>, da sie nicht </a:t>
+            </a:r>
+            <a:r>
+              <a:rPr lang="de-DE" dirty="0" err="1"/>
+              <a:t>stateless</a:t>
+            </a:r>
+            <a:r>
+              <a:rPr lang="de-DE" dirty="0"/>
+              <a:t> ist. Die Messwerte werden nicht unabhängig von den Anfragen des Clients erhoben, sondern jede Anfrage führt dazu, dass eine Sekunde der </a:t>
+            </a:r>
+            <a:r>
+              <a:rPr lang="de-DE" dirty="0" err="1"/>
+              <a:t>Messzeit</a:t>
+            </a:r>
+            <a:r>
+              <a:rPr lang="de-DE" dirty="0"/>
+              <a:t> weitergezählt wird.</a:t>
             </a:r>
           </a:p>
         </p:txBody>
@@ -11966,13 +11986,30 @@
           <a:p>
             <a:r>
               <a:rPr lang="de-DE" dirty="0"/>
-              <a:t>	-Beschreibung und Schnittstelle </a:t>
+              <a:t>	-Beschreibung 	</a:t>
+            </a:r>
+          </a:p>
+          <a:p>
+            <a:r>
+              <a:rPr lang="de-DE" dirty="0"/>
+              <a:t>	-Ist Schnittstelle </a:t>
             </a:r>
             <a:r>
               <a:rPr lang="de-DE" dirty="0" err="1"/>
               <a:t>SMEmu</a:t>
             </a:r>
-            <a:endParaRPr lang="de-DE" dirty="0"/>
+            <a:r>
+              <a:rPr lang="de-DE" dirty="0"/>
+              <a:t> </a:t>
+            </a:r>
+            <a:r>
+              <a:rPr lang="de-DE" dirty="0" err="1"/>
+              <a:t>RESTful</a:t>
+            </a:r>
+            <a:r>
+              <a:rPr lang="de-DE" dirty="0"/>
+              <a:t>?</a:t>
+            </a:r>
           </a:p>
           <a:p>
             <a:r>
